--- a/ppt/9.정규모집단에서의 소표본 추론.pptx
+++ b/ppt/9.정규모집단에서의 소표본 추론.pptx
@@ -262,7 +262,7 @@
           <a:p>
             <a:fld id="{AE7D05FD-3C5D-4492-9E94-CC845713AFF8}" type="datetimeFigureOut">
               <a:rPr lang="ko-KR" altLang="en-US" smtClean="0"/>
-              <a:t>2016-08-26</a:t>
+              <a:t>2017-04-28</a:t>
             </a:fld>
             <a:endParaRPr lang="ko-KR" altLang="en-US"/>
           </a:p>
@@ -432,7 +432,7 @@
           <a:p>
             <a:fld id="{AE7D05FD-3C5D-4492-9E94-CC845713AFF8}" type="datetimeFigureOut">
               <a:rPr lang="ko-KR" altLang="en-US" smtClean="0"/>
-              <a:t>2016-08-26</a:t>
+              <a:t>2017-04-28</a:t>
             </a:fld>
             <a:endParaRPr lang="ko-KR" altLang="en-US"/>
           </a:p>
@@ -612,7 +612,7 @@
           <a:p>
             <a:fld id="{AE7D05FD-3C5D-4492-9E94-CC845713AFF8}" type="datetimeFigureOut">
               <a:rPr lang="ko-KR" altLang="en-US" smtClean="0"/>
-              <a:t>2016-08-26</a:t>
+              <a:t>2017-04-28</a:t>
             </a:fld>
             <a:endParaRPr lang="ko-KR" altLang="en-US"/>
           </a:p>
@@ -782,7 +782,7 @@
           <a:p>
             <a:fld id="{AE7D05FD-3C5D-4492-9E94-CC845713AFF8}" type="datetimeFigureOut">
               <a:rPr lang="ko-KR" altLang="en-US" smtClean="0"/>
-              <a:t>2016-08-26</a:t>
+              <a:t>2017-04-28</a:t>
             </a:fld>
             <a:endParaRPr lang="ko-KR" altLang="en-US"/>
           </a:p>
@@ -1028,7 +1028,7 @@
           <a:p>
             <a:fld id="{AE7D05FD-3C5D-4492-9E94-CC845713AFF8}" type="datetimeFigureOut">
               <a:rPr lang="ko-KR" altLang="en-US" smtClean="0"/>
-              <a:t>2016-08-26</a:t>
+              <a:t>2017-04-28</a:t>
             </a:fld>
             <a:endParaRPr lang="ko-KR" altLang="en-US"/>
           </a:p>
@@ -1260,7 +1260,7 @@
           <a:p>
             <a:fld id="{AE7D05FD-3C5D-4492-9E94-CC845713AFF8}" type="datetimeFigureOut">
               <a:rPr lang="ko-KR" altLang="en-US" smtClean="0"/>
-              <a:t>2016-08-26</a:t>
+              <a:t>2017-04-28</a:t>
             </a:fld>
             <a:endParaRPr lang="ko-KR" altLang="en-US"/>
           </a:p>
@@ -1627,7 +1627,7 @@
           <a:p>
             <a:fld id="{AE7D05FD-3C5D-4492-9E94-CC845713AFF8}" type="datetimeFigureOut">
               <a:rPr lang="ko-KR" altLang="en-US" smtClean="0"/>
-              <a:t>2016-08-26</a:t>
+              <a:t>2017-04-28</a:t>
             </a:fld>
             <a:endParaRPr lang="ko-KR" altLang="en-US"/>
           </a:p>
@@ -1745,7 +1745,7 @@
           <a:p>
             <a:fld id="{AE7D05FD-3C5D-4492-9E94-CC845713AFF8}" type="datetimeFigureOut">
               <a:rPr lang="ko-KR" altLang="en-US" smtClean="0"/>
-              <a:t>2016-08-26</a:t>
+              <a:t>2017-04-28</a:t>
             </a:fld>
             <a:endParaRPr lang="ko-KR" altLang="en-US"/>
           </a:p>
@@ -1840,7 +1840,7 @@
           <a:p>
             <a:fld id="{AE7D05FD-3C5D-4492-9E94-CC845713AFF8}" type="datetimeFigureOut">
               <a:rPr lang="ko-KR" altLang="en-US" smtClean="0"/>
-              <a:t>2016-08-26</a:t>
+              <a:t>2017-04-28</a:t>
             </a:fld>
             <a:endParaRPr lang="ko-KR" altLang="en-US"/>
           </a:p>
@@ -2117,7 +2117,7 @@
           <a:p>
             <a:fld id="{AE7D05FD-3C5D-4492-9E94-CC845713AFF8}" type="datetimeFigureOut">
               <a:rPr lang="ko-KR" altLang="en-US" smtClean="0"/>
-              <a:t>2016-08-26</a:t>
+              <a:t>2017-04-28</a:t>
             </a:fld>
             <a:endParaRPr lang="ko-KR" altLang="en-US"/>
           </a:p>
@@ -2370,7 +2370,7 @@
           <a:p>
             <a:fld id="{AE7D05FD-3C5D-4492-9E94-CC845713AFF8}" type="datetimeFigureOut">
               <a:rPr lang="ko-KR" altLang="en-US" smtClean="0"/>
-              <a:t>2016-08-26</a:t>
+              <a:t>2017-04-28</a:t>
             </a:fld>
             <a:endParaRPr lang="ko-KR" altLang="en-US"/>
           </a:p>
@@ -2583,7 +2583,7 @@
           <a:p>
             <a:fld id="{AE7D05FD-3C5D-4492-9E94-CC845713AFF8}" type="datetimeFigureOut">
               <a:rPr lang="ko-KR" altLang="en-US" smtClean="0"/>
-              <a:t>2016-08-26</a:t>
+              <a:t>2017-04-28</a:t>
             </a:fld>
             <a:endParaRPr lang="ko-KR" altLang="en-US"/>
           </a:p>
@@ -3091,8 +3091,8 @@
           </a:p>
         </p:txBody>
       </p:sp>
-      <mc:AlternateContent xmlns:mc="http://schemas.openxmlformats.org/markup-compatibility/2006" xmlns:a14="http://schemas.microsoft.com/office/drawing/2010/main">
-        <mc:Choice Requires="a14">
+      <mc:AlternateContent xmlns:mc="http://schemas.openxmlformats.org/markup-compatibility/2006">
+        <mc:Choice xmlns:a14="http://schemas.microsoft.com/office/drawing/2010/main" Requires="a14">
           <p:sp>
             <p:nvSpPr>
               <p:cNvPr id="3" name="내용 개체 틀 2"/>
@@ -3100,13 +3100,18 @@
                 <a:spLocks noGrp="1"/>
               </p:cNvSpPr>
               <p:nvPr>
-                <p:ph idx="1"/>
+                <p:ph sz="half" idx="1"/>
               </p:nvPr>
             </p:nvSpPr>
-            <p:spPr/>
+            <p:spPr>
+              <a:xfrm>
+                <a:off x="838199" y="1825625"/>
+                <a:ext cx="7259595" cy="4351338"/>
+              </a:xfrm>
+            </p:spPr>
             <p:txBody>
               <a:bodyPr>
-                <a:normAutofit/>
+                <a:normAutofit lnSpcReduction="10000"/>
               </a:bodyPr>
               <a:lstStyle/>
               <a:p>
@@ -3374,9 +3379,17 @@
                 </a14:m>
                 <a:r>
                   <a:rPr lang="ko-KR" altLang="en-US" sz="2400" dirty="0" smtClean="0"/>
-                  <a:t> 계산한다고 생각</a:t>
+                  <a:t> 계산한다고 </a:t>
+                </a:r>
+                <a:r>
+                  <a:rPr lang="ko-KR" altLang="en-US" sz="2400" dirty="0" smtClean="0"/>
+                  <a:t>생각</a:t>
                 </a:r>
                 <a:endParaRPr lang="en-US" altLang="ko-KR" sz="2400" dirty="0" smtClean="0"/>
+              </a:p>
+              <a:p>
+                <a:pPr lvl="1"/>
+                <a:endParaRPr lang="en-US" altLang="ko-KR" sz="2000" dirty="0" smtClean="0"/>
               </a:p>
               <a:p>
                 <a:pPr lvl="1"/>
@@ -3416,8 +3429,16 @@
                 </a:r>
                 <a:r>
                   <a:rPr lang="ko-KR" altLang="en-US" sz="2000" dirty="0" smtClean="0"/>
-                  <a:t>그 중심은 표본에 따라 변함</a:t>
-                </a:r>
+                  <a:t>그 중심은 표본에 따라 </a:t>
+                </a:r>
+                <a:r>
+                  <a:rPr lang="ko-KR" altLang="en-US" sz="2000" dirty="0" smtClean="0"/>
+                  <a:t>변함</a:t>
+                </a:r>
+                <a:endParaRPr lang="en-US" altLang="ko-KR" sz="2000" dirty="0" smtClean="0"/>
+              </a:p>
+              <a:p>
+                <a:pPr lvl="1"/>
                 <a:endParaRPr lang="en-US" altLang="ko-KR" sz="2000" dirty="0" smtClean="0"/>
               </a:p>
               <a:p>
@@ -3520,16 +3541,32 @@
                 </a14:m>
                 <a:r>
                   <a:rPr lang="ko-KR" altLang="en-US" sz="2000" dirty="0" smtClean="0"/>
-                  <a:t> 다양성 때문에 표본에 따라 변함</a:t>
+                  <a:t> 다양성 때문에 표본에 따라 </a:t>
+                </a:r>
+                <a:r>
+                  <a:rPr lang="ko-KR" altLang="en-US" sz="2000" dirty="0" smtClean="0"/>
+                  <a:t>변함</a:t>
                 </a:r>
                 <a:endParaRPr lang="en-US" altLang="ko-KR" sz="2000" dirty="0" smtClean="0"/>
               </a:p>
               <a:p>
                 <a:pPr lvl="1"/>
+                <a:endParaRPr lang="en-US" altLang="ko-KR" sz="2000" dirty="0" smtClean="0"/>
+              </a:p>
+              <a:p>
+                <a:pPr lvl="1"/>
                 <a:r>
                   <a:rPr lang="ko-KR" altLang="en-US" sz="2000" dirty="0" smtClean="0"/>
-                  <a:t>반복추출에서 구간들의 중심과 길이는 변수</a:t>
-                </a:r>
+                  <a:t>반복추출에서 구간들의 중심과 길이는 </a:t>
+                </a:r>
+                <a:r>
+                  <a:rPr lang="ko-KR" altLang="en-US" sz="2000" dirty="0" smtClean="0"/>
+                  <a:t>변수</a:t>
+                </a:r>
+                <a:endParaRPr lang="en-US" altLang="ko-KR" sz="2000" dirty="0" smtClean="0"/>
+              </a:p>
+              <a:p>
+                <a:pPr lvl="1"/>
                 <a:endParaRPr lang="en-US" altLang="ko-KR" sz="2000" dirty="0" smtClean="0"/>
               </a:p>
               <a:p>
@@ -3604,7 +3641,7 @@
             </p:txBody>
           </p:sp>
         </mc:Choice>
-        <mc:Fallback xmlns="">
+        <mc:Fallback>
           <p:sp>
             <p:nvSpPr>
               <p:cNvPr id="3" name="내용 개체 틀 2"/>
@@ -3612,14 +3649,18 @@
                 <a:spLocks noGrp="1" noRot="1" noChangeAspect="1" noMove="1" noResize="1" noEditPoints="1" noAdjustHandles="1" noChangeArrowheads="1" noChangeShapeType="1" noTextEdit="1"/>
               </p:cNvSpPr>
               <p:nvPr>
-                <p:ph idx="1"/>
+                <p:ph sz="half" idx="1"/>
               </p:nvPr>
             </p:nvSpPr>
             <p:spPr>
+              <a:xfrm>
+                <a:off x="838199" y="1825625"/>
+                <a:ext cx="7259595" cy="4351338"/>
+              </a:xfrm>
               <a:blipFill rotWithShape="0">
                 <a:blip r:embed="rId2"/>
                 <a:stretch>
-                  <a:fillRect l="-812" t="-1961"/>
+                  <a:fillRect l="-1092" t="-2801" r="-1008"/>
                 </a:stretch>
               </a:blipFill>
             </p:spPr>
@@ -3640,26 +3681,36 @@
       </mc:AlternateContent>
       <p:pic>
         <p:nvPicPr>
-          <p:cNvPr id="4" name="그림 3"/>
+          <p:cNvPr id="7" name="Picture 4"/>
           <p:cNvPicPr>
-            <a:picLocks noChangeAspect="1"/>
+            <a:picLocks noGrp="1" noChangeAspect="1" noChangeArrowheads="1"/>
           </p:cNvPicPr>
-          <p:nvPr/>
+          <p:nvPr>
+            <p:ph sz="half" idx="2"/>
+          </p:nvPr>
         </p:nvPicPr>
         <p:blipFill>
-          <a:blip r:embed="rId3"/>
+          <a:blip r:embed="rId3" cstate="print">
+            <a:extLst>
+              <a:ext uri="{28A0092B-C50C-407E-A947-70E740481C1C}">
+                <a14:useLocalDpi xmlns:a14="http://schemas.microsoft.com/office/drawing/2010/main" val="0"/>
+              </a:ext>
+            </a:extLst>
+          </a:blip>
+          <a:srcRect/>
           <a:stretch>
             <a:fillRect/>
           </a:stretch>
         </p:blipFill>
         <p:spPr>
           <a:xfrm>
-            <a:off x="6441260" y="4042968"/>
-            <a:ext cx="2904023" cy="2598478"/>
+            <a:off x="8097794" y="1883290"/>
+            <a:ext cx="3820982" cy="3446591"/>
           </a:xfrm>
           <a:prstGeom prst="rect">
             <a:avLst/>
           </a:prstGeom>
+          <a:ln/>
         </p:spPr>
       </p:pic>
     </p:spTree>
@@ -11973,11 +12024,7 @@
                 </a:r>
                 <a:r>
                   <a:rPr lang="ko-KR" altLang="en-US" dirty="0" smtClean="0"/>
-                  <a:t>분포를 </a:t>
-                </a:r>
-                <a:r>
-                  <a:rPr lang="ko-KR" altLang="en-US" dirty="0" smtClean="0"/>
-                  <a:t>따른다</a:t>
+                  <a:t>분포를 따른다</a:t>
                 </a:r>
                 <a:r>
                   <a:rPr lang="en-US" altLang="ko-KR" dirty="0" smtClean="0"/>
@@ -14047,28 +14094,33 @@
       </mc:AlternateContent>
       <p:pic>
         <p:nvPicPr>
-          <p:cNvPr id="6" name="내용 개체 틀 5"/>
+          <p:cNvPr id="7" name="Picture 4"/>
           <p:cNvPicPr>
-            <a:picLocks noGrp="1" noChangeAspect="1"/>
+            <a:picLocks noGrp="1" noChangeAspect="1" noChangeArrowheads="1"/>
           </p:cNvPicPr>
           <p:nvPr>
             <p:ph sz="half" idx="2"/>
           </p:nvPr>
         </p:nvPicPr>
         <p:blipFill>
-          <a:blip r:embed="rId4"/>
+          <a:blip r:embed="rId4">
+            <a:extLst>
+              <a:ext uri="{28A0092B-C50C-407E-A947-70E740481C1C}">
+                <a14:useLocalDpi xmlns:a14="http://schemas.microsoft.com/office/drawing/2010/main" val="0"/>
+              </a:ext>
+            </a:extLst>
+          </a:blip>
+          <a:srcRect/>
           <a:stretch>
             <a:fillRect/>
           </a:stretch>
         </p:blipFill>
         <p:spPr>
           <a:xfrm>
-            <a:off x="6870138" y="1769233"/>
-            <a:ext cx="4644828" cy="4407730"/>
+            <a:off x="7183395" y="1979096"/>
+            <a:ext cx="4096264" cy="3660752"/>
           </a:xfrm>
-          <a:prstGeom prst="rect">
-            <a:avLst/>
-          </a:prstGeom>
+          <a:ln/>
         </p:spPr>
       </p:pic>
     </p:spTree>
@@ -14969,26 +15021,34 @@
       </mc:AlternateContent>
       <p:pic>
         <p:nvPicPr>
-          <p:cNvPr id="8" name="그림 7"/>
+          <p:cNvPr id="9" name="Picture 4"/>
           <p:cNvPicPr>
-            <a:picLocks noChangeAspect="1"/>
+            <a:picLocks noChangeAspect="1" noChangeArrowheads="1"/>
           </p:cNvPicPr>
           <p:nvPr/>
         </p:nvPicPr>
         <p:blipFill>
-          <a:blip r:embed="rId5"/>
+          <a:blip r:embed="rId5">
+            <a:extLst>
+              <a:ext uri="{28A0092B-C50C-407E-A947-70E740481C1C}">
+                <a14:useLocalDpi xmlns:a14="http://schemas.microsoft.com/office/drawing/2010/main" val="0"/>
+              </a:ext>
+            </a:extLst>
+          </a:blip>
+          <a:srcRect/>
           <a:stretch>
             <a:fillRect/>
           </a:stretch>
         </p:blipFill>
         <p:spPr>
           <a:xfrm>
-            <a:off x="2229030" y="3924113"/>
-            <a:ext cx="3451580" cy="2090328"/>
+            <a:off x="2104767" y="3879415"/>
+            <a:ext cx="3529913" cy="2169903"/>
           </a:xfrm>
           <a:prstGeom prst="rect">
             <a:avLst/>
           </a:prstGeom>
+          <a:ln/>
         </p:spPr>
       </p:pic>
     </p:spTree>
@@ -15031,7 +15091,12 @@
             <p:ph type="title"/>
           </p:nvPr>
         </p:nvSpPr>
-        <p:spPr/>
+        <p:spPr>
+          <a:xfrm>
+            <a:off x="838200" y="365126"/>
+            <a:ext cx="10515600" cy="956920"/>
+          </a:xfrm>
+        </p:spPr>
         <p:txBody>
           <a:bodyPr/>
           <a:lstStyle/>
@@ -15060,8 +15125,8 @@
           </a:p>
         </p:txBody>
       </p:sp>
-      <mc:AlternateContent xmlns:mc="http://schemas.openxmlformats.org/markup-compatibility/2006" xmlns:a14="http://schemas.microsoft.com/office/drawing/2010/main">
-        <mc:Choice Requires="a14">
+      <mc:AlternateContent xmlns:mc="http://schemas.openxmlformats.org/markup-compatibility/2006">
+        <mc:Choice xmlns:a14="http://schemas.microsoft.com/office/drawing/2010/main" Requires="a14">
           <p:sp>
             <p:nvSpPr>
               <p:cNvPr id="3" name="내용 개체 틀 2"/>
@@ -15072,7 +15137,12 @@
                 <p:ph idx="1"/>
               </p:nvPr>
             </p:nvSpPr>
-            <p:spPr/>
+            <p:spPr>
+              <a:xfrm>
+                <a:off x="838200" y="1441622"/>
+                <a:ext cx="10515600" cy="4735341"/>
+              </a:xfrm>
+            </p:spPr>
             <p:txBody>
               <a:bodyPr>
                 <a:normAutofit/>
@@ -15422,7 +15492,7 @@
             </p:txBody>
           </p:sp>
         </mc:Choice>
-        <mc:Fallback xmlns="">
+        <mc:Fallback>
           <p:sp>
             <p:nvSpPr>
               <p:cNvPr id="3" name="내용 개체 틀 2"/>
@@ -15434,10 +15504,14 @@
               </p:nvPr>
             </p:nvSpPr>
             <p:spPr>
+              <a:xfrm>
+                <a:off x="838200" y="1441622"/>
+                <a:ext cx="10515600" cy="4735341"/>
+              </a:xfrm>
               <a:blipFill rotWithShape="0">
                 <a:blip r:embed="rId2"/>
                 <a:stretch>
-                  <a:fillRect l="-812" t="-1961"/>
+                  <a:fillRect l="-812" t="-1673"/>
                 </a:stretch>
               </a:blipFill>
             </p:spPr>
@@ -15458,26 +15532,34 @@
       </mc:AlternateContent>
       <p:pic>
         <p:nvPicPr>
-          <p:cNvPr id="4" name="그림 3"/>
+          <p:cNvPr id="5" name="Picture 4"/>
           <p:cNvPicPr>
-            <a:picLocks noChangeAspect="1"/>
+            <a:picLocks noChangeAspect="1" noChangeArrowheads="1"/>
           </p:cNvPicPr>
           <p:nvPr/>
         </p:nvPicPr>
         <p:blipFill>
-          <a:blip r:embed="rId3"/>
+          <a:blip r:embed="rId3">
+            <a:extLst>
+              <a:ext uri="{28A0092B-C50C-407E-A947-70E740481C1C}">
+                <a14:useLocalDpi xmlns:a14="http://schemas.microsoft.com/office/drawing/2010/main" val="0"/>
+              </a:ext>
+            </a:extLst>
+          </a:blip>
+          <a:srcRect/>
           <a:stretch>
             <a:fillRect/>
           </a:stretch>
         </p:blipFill>
         <p:spPr>
           <a:xfrm>
-            <a:off x="4268006" y="4001294"/>
-            <a:ext cx="3500348" cy="2077771"/>
+            <a:off x="3674076" y="3322862"/>
+            <a:ext cx="5257071" cy="2973677"/>
           </a:xfrm>
           <a:prstGeom prst="rect">
             <a:avLst/>
           </a:prstGeom>
+          <a:ln/>
         </p:spPr>
       </p:pic>
     </p:spTree>
@@ -15510,8 +15592,8 @@
           <a:chExt cx="0" cy="0"/>
         </a:xfrm>
       </p:grpSpPr>
-      <mc:AlternateContent xmlns:mc="http://schemas.openxmlformats.org/markup-compatibility/2006" xmlns:a14="http://schemas.microsoft.com/office/drawing/2010/main">
-        <mc:Choice Requires="a14">
+      <mc:AlternateContent xmlns:mc="http://schemas.openxmlformats.org/markup-compatibility/2006">
+        <mc:Choice xmlns:a14="http://schemas.microsoft.com/office/drawing/2010/main" Requires="a14">
           <p:sp>
             <p:nvSpPr>
               <p:cNvPr id="2" name="제목 1"/>
@@ -15522,7 +15604,12 @@
                 <p:ph type="title"/>
               </p:nvPr>
             </p:nvSpPr>
-            <p:spPr/>
+            <p:spPr>
+              <a:xfrm>
+                <a:off x="838200" y="365126"/>
+                <a:ext cx="10515600" cy="1027070"/>
+              </a:xfrm>
+            </p:spPr>
             <p:txBody>
               <a:bodyPr/>
               <a:lstStyle/>
@@ -15554,7 +15641,7 @@
             </p:txBody>
           </p:sp>
         </mc:Choice>
-        <mc:Fallback xmlns="">
+        <mc:Fallback>
           <p:sp>
             <p:nvSpPr>
               <p:cNvPr id="2" name="제목 1"/>
@@ -15566,10 +15653,14 @@
               </p:nvPr>
             </p:nvSpPr>
             <p:spPr>
+              <a:xfrm>
+                <a:off x="838200" y="365126"/>
+                <a:ext cx="10515600" cy="1027070"/>
+              </a:xfrm>
               <a:blipFill rotWithShape="0">
                 <a:blip r:embed="rId2"/>
                 <a:stretch>
-                  <a:fillRect/>
+                  <a:fillRect t="-2381" b="-12500"/>
                 </a:stretch>
               </a:blipFill>
             </p:spPr>
@@ -15588,8 +15679,8 @@
           </p:sp>
         </mc:Fallback>
       </mc:AlternateContent>
-      <mc:AlternateContent xmlns:mc="http://schemas.openxmlformats.org/markup-compatibility/2006" xmlns:a14="http://schemas.microsoft.com/office/drawing/2010/main">
-        <mc:Choice Requires="a14">
+      <mc:AlternateContent xmlns:mc="http://schemas.openxmlformats.org/markup-compatibility/2006">
+        <mc:Choice xmlns:a14="http://schemas.microsoft.com/office/drawing/2010/main" Requires="a14">
           <p:sp>
             <p:nvSpPr>
               <p:cNvPr id="3" name="내용 개체 틀 2"/>
@@ -15600,7 +15691,12 @@
                 <p:ph idx="1"/>
               </p:nvPr>
             </p:nvSpPr>
-            <p:spPr/>
+            <p:spPr>
+              <a:xfrm>
+                <a:off x="838200" y="1491049"/>
+                <a:ext cx="10515600" cy="4685914"/>
+              </a:xfrm>
+            </p:spPr>
             <p:txBody>
               <a:bodyPr>
                 <a:normAutofit/>
@@ -15945,7 +16041,7 @@
             </p:txBody>
           </p:sp>
         </mc:Choice>
-        <mc:Fallback xmlns="">
+        <mc:Fallback>
           <p:sp>
             <p:nvSpPr>
               <p:cNvPr id="3" name="내용 개체 틀 2"/>
@@ -15957,10 +16053,14 @@
               </p:nvPr>
             </p:nvSpPr>
             <p:spPr>
+              <a:xfrm>
+                <a:off x="838200" y="1491049"/>
+                <a:ext cx="10515600" cy="4685914"/>
+              </a:xfrm>
               <a:blipFill rotWithShape="0">
                 <a:blip r:embed="rId3"/>
                 <a:stretch>
-                  <a:fillRect l="-812" t="-1961"/>
+                  <a:fillRect l="-812" t="-1823"/>
                 </a:stretch>
               </a:blipFill>
             </p:spPr>
@@ -15981,26 +16081,34 @@
       </mc:AlternateContent>
       <p:pic>
         <p:nvPicPr>
-          <p:cNvPr id="4" name="그림 3"/>
+          <p:cNvPr id="5" name="Picture 4"/>
           <p:cNvPicPr>
-            <a:picLocks noChangeAspect="1"/>
+            <a:picLocks noChangeAspect="1" noChangeArrowheads="1"/>
           </p:cNvPicPr>
           <p:nvPr/>
         </p:nvPicPr>
         <p:blipFill>
-          <a:blip r:embed="rId4"/>
+          <a:blip r:embed="rId4">
+            <a:extLst>
+              <a:ext uri="{28A0092B-C50C-407E-A947-70E740481C1C}">
+                <a14:useLocalDpi xmlns:a14="http://schemas.microsoft.com/office/drawing/2010/main" val="0"/>
+              </a:ext>
+            </a:extLst>
+          </a:blip>
+          <a:srcRect/>
           <a:stretch>
             <a:fillRect/>
           </a:stretch>
         </p:blipFill>
         <p:spPr>
           <a:xfrm>
-            <a:off x="4286834" y="4252308"/>
-            <a:ext cx="3408691" cy="2269158"/>
+            <a:off x="4011827" y="3760648"/>
+            <a:ext cx="4219316" cy="2631913"/>
           </a:xfrm>
           <a:prstGeom prst="rect">
             <a:avLst/>
           </a:prstGeom>
+          <a:ln/>
         </p:spPr>
       </p:pic>
     </p:spTree>
